--- a/Mission04_Study06_gyunam.pptx
+++ b/Mission04_Study06_gyunam.pptx
@@ -2,7 +2,7 @@
 <file path=ppt/presentation.xml><?xml version="1.0" encoding="utf-8"?>
 <p:presentation xmlns:r="http://schemas.openxmlformats.org/officeDocument/2006/relationships" xmlns:c="http://schemas.openxmlformats.org/drawingml/2006/chart" xmlns:a="http://schemas.openxmlformats.org/drawingml/2006/main" xmlns:dgm="http://schemas.openxmlformats.org/drawingml/2006/diagram" xmlns:dsp="http://schemas.microsoft.com/office/drawing/2008/diagram" xmlns:p="http://schemas.openxmlformats.org/presentationml/2006/main" saveSubsetFonts="1">
   <p:sldMasterIdLst>
-    <p:sldMasterId id="2147483665" r:id="rId1"/>
+    <p:sldMasterId id="2147483666" r:id="rId1"/>
   </p:sldMasterIdLst>
   <p:sldIdLst>
     <p:sldId id="256" r:id="rId2"/>
@@ -4139,6 +4139,22 @@
               <a:defRPr/>
             </a:pPr>
             <a:r>
+              <a:rPr xmlns:mc="http://schemas.openxmlformats.org/markup-compatibility/2006" xmlns:hp="http://schemas.haansoft.com/office/presentation/8.0" lang="ko-KR" altLang="en-US" b="1" mc:Ignorable="hp" hp:hslEmbossed="0">
+                <a:ln w="0"/>
+                <a:solidFill>
+                  <a:schemeClr val="tx1"/>
+                </a:solidFill>
+                <a:effectLst>
+                  <a:outerShdw blurRad="38100" dist="19050" dir="2700000" algn="tl" rotWithShape="0">
+                    <a:schemeClr val="dk1">
+                      <a:alpha val="40000"/>
+                    </a:schemeClr>
+                  </a:outerShdw>
+                </a:effectLst>
+              </a:rPr>
+              <a:t> 박규남</a:t>
+            </a:r>
+            <a:r>
               <a:rPr xmlns:mc="http://schemas.openxmlformats.org/markup-compatibility/2006" xmlns:hp="http://schemas.haansoft.com/office/presentation/8.0" lang="en-US" altLang="ko-KR" b="1" mc:Ignorable="hp" hp:hslEmbossed="0">
                 <a:ln w="0"/>
                 <a:solidFill>
@@ -4152,71 +4168,71 @@
                   </a:outerShdw>
                 </a:effectLst>
               </a:rPr>
+              <a:t>(</a:t>
+            </a:r>
+            <a:r>
+              <a:rPr xmlns:mc="http://schemas.openxmlformats.org/markup-compatibility/2006" xmlns:hp="http://schemas.haansoft.com/office/presentation/8.0" lang="ko-KR" altLang="en-US" b="1" mc:Ignorable="hp" hp:hslEmbossed="0">
+                <a:ln w="0"/>
+                <a:solidFill>
+                  <a:schemeClr val="tx1"/>
+                </a:solidFill>
+                <a:effectLst>
+                  <a:outerShdw blurRad="38100" dist="19050" dir="2700000" algn="tl" rotWithShape="0">
+                    <a:schemeClr val="dk1">
+                      <a:alpha val="40000"/>
+                    </a:schemeClr>
+                  </a:outerShdw>
+                </a:effectLst>
+              </a:rPr>
+              <a:t>팀원</a:t>
+            </a:r>
+            <a:r>
+              <a:rPr xmlns:mc="http://schemas.openxmlformats.org/markup-compatibility/2006" xmlns:hp="http://schemas.haansoft.com/office/presentation/8.0" lang="en-US" altLang="ko-KR" b="1" mc:Ignorable="hp" hp:hslEmbossed="0">
+                <a:ln w="0"/>
+                <a:solidFill>
+                  <a:schemeClr val="tx1"/>
+                </a:solidFill>
+                <a:effectLst>
+                  <a:outerShdw blurRad="38100" dist="19050" dir="2700000" algn="tl" rotWithShape="0">
+                    <a:schemeClr val="dk1">
+                      <a:alpha val="40000"/>
+                    </a:schemeClr>
+                  </a:outerShdw>
+                </a:effectLst>
+              </a:rPr>
+              <a:t>)</a:t>
+            </a:r>
+            <a:r>
+              <a:rPr xmlns:mc="http://schemas.openxmlformats.org/markup-compatibility/2006" xmlns:hp="http://schemas.haansoft.com/office/presentation/8.0" lang="ko-KR" altLang="en-US" b="1" mc:Ignorable="hp" hp:hslEmbossed="0">
+                <a:ln w="0"/>
+                <a:solidFill>
+                  <a:schemeClr val="tx1"/>
+                </a:solidFill>
+                <a:effectLst>
+                  <a:outerShdw blurRad="38100" dist="19050" dir="2700000" algn="tl" rotWithShape="0">
+                    <a:schemeClr val="dk1">
+                      <a:alpha val="40000"/>
+                    </a:schemeClr>
+                  </a:outerShdw>
+                </a:effectLst>
+              </a:rPr>
+              <a:t> </a:t>
+            </a:r>
+            <a:r>
+              <a:rPr xmlns:mc="http://schemas.openxmlformats.org/markup-compatibility/2006" xmlns:hp="http://schemas.haansoft.com/office/presentation/8.0" lang="en-US" altLang="ko-KR" b="1" mc:Ignorable="hp" hp:hslEmbossed="0">
+                <a:ln w="0"/>
+                <a:solidFill>
+                  <a:schemeClr val="tx1"/>
+                </a:solidFill>
+                <a:effectLst>
+                  <a:outerShdw blurRad="38100" dist="19050" dir="2700000" algn="tl" rotWithShape="0">
+                    <a:schemeClr val="dk1">
+                      <a:alpha val="40000"/>
+                    </a:schemeClr>
+                  </a:outerShdw>
+                </a:effectLst>
+              </a:rPr>
               <a:t>1/3</a:t>
-            </a:r>
-            <a:r>
-              <a:rPr xmlns:mc="http://schemas.openxmlformats.org/markup-compatibility/2006" xmlns:hp="http://schemas.haansoft.com/office/presentation/8.0" lang="ko-KR" altLang="en-US" b="1" mc:Ignorable="hp" hp:hslEmbossed="0">
-                <a:ln w="0"/>
-                <a:solidFill>
-                  <a:schemeClr val="tx1"/>
-                </a:solidFill>
-                <a:effectLst>
-                  <a:outerShdw blurRad="38100" dist="19050" dir="2700000" algn="tl" rotWithShape="0">
-                    <a:schemeClr val="dk1">
-                      <a:alpha val="40000"/>
-                    </a:schemeClr>
-                  </a:outerShdw>
-                </a:effectLst>
-              </a:rPr>
-              <a:t> 박규남</a:t>
-            </a:r>
-            <a:r>
-              <a:rPr xmlns:mc="http://schemas.openxmlformats.org/markup-compatibility/2006" xmlns:hp="http://schemas.haansoft.com/office/presentation/8.0" lang="en-US" altLang="ko-KR" b="1" mc:Ignorable="hp" hp:hslEmbossed="0">
-                <a:ln w="0"/>
-                <a:solidFill>
-                  <a:schemeClr val="tx1"/>
-                </a:solidFill>
-                <a:effectLst>
-                  <a:outerShdw blurRad="38100" dist="19050" dir="2700000" algn="tl" rotWithShape="0">
-                    <a:schemeClr val="dk1">
-                      <a:alpha val="40000"/>
-                    </a:schemeClr>
-                  </a:outerShdw>
-                </a:effectLst>
-              </a:rPr>
-              <a:t>(</a:t>
-            </a:r>
-            <a:r>
-              <a:rPr xmlns:mc="http://schemas.openxmlformats.org/markup-compatibility/2006" xmlns:hp="http://schemas.haansoft.com/office/presentation/8.0" lang="ko-KR" altLang="en-US" b="1" mc:Ignorable="hp" hp:hslEmbossed="0">
-                <a:ln w="0"/>
-                <a:solidFill>
-                  <a:schemeClr val="tx1"/>
-                </a:solidFill>
-                <a:effectLst>
-                  <a:outerShdw blurRad="38100" dist="19050" dir="2700000" algn="tl" rotWithShape="0">
-                    <a:schemeClr val="dk1">
-                      <a:alpha val="40000"/>
-                    </a:schemeClr>
-                  </a:outerShdw>
-                </a:effectLst>
-              </a:rPr>
-              <a:t>팀원</a:t>
-            </a:r>
-            <a:r>
-              <a:rPr xmlns:mc="http://schemas.openxmlformats.org/markup-compatibility/2006" xmlns:hp="http://schemas.haansoft.com/office/presentation/8.0" lang="en-US" altLang="ko-KR" b="1" mc:Ignorable="hp" hp:hslEmbossed="0">
-                <a:ln w="0"/>
-                <a:solidFill>
-                  <a:schemeClr val="tx1"/>
-                </a:solidFill>
-                <a:effectLst>
-                  <a:outerShdw blurRad="38100" dist="19050" dir="2700000" algn="tl" rotWithShape="0">
-                    <a:schemeClr val="dk1">
-                      <a:alpha val="40000"/>
-                    </a:schemeClr>
-                  </a:outerShdw>
-                </a:effectLst>
-              </a:rPr>
-              <a:t>)</a:t>
             </a:r>
             <a:endParaRPr xmlns:mc="http://schemas.openxmlformats.org/markup-compatibility/2006" xmlns:hp="http://schemas.haansoft.com/office/presentation/8.0" lang="en-US" altLang="ko-KR" b="1" mc:Ignorable="hp" hp:hslEmbossed="0">
               <a:ln w="0"/>
@@ -4825,8 +4841,8 @@
         </p:blipFill>
         <p:spPr>
           <a:xfrm>
-            <a:off x="842425" y="4346904"/>
-            <a:ext cx="4575257" cy="973459"/>
+            <a:off x="948259" y="4092904"/>
+            <a:ext cx="4638757" cy="973459"/>
           </a:xfrm>
           <a:prstGeom prst="rect">
             <a:avLst/>
@@ -5252,6 +5268,22 @@
               <a:defRPr/>
             </a:pPr>
             <a:r>
+              <a:rPr xmlns:mc="http://schemas.openxmlformats.org/markup-compatibility/2006" xmlns:hp="http://schemas.haansoft.com/office/presentation/8.0" lang="ko-KR" altLang="en-US" b="1" mc:Ignorable="hp" hp:hslEmbossed="0">
+                <a:ln w="0"/>
+                <a:solidFill>
+                  <a:schemeClr val="tx1"/>
+                </a:solidFill>
+                <a:effectLst>
+                  <a:outerShdw blurRad="38100" dist="19050" dir="2700000" algn="tl" rotWithShape="0">
+                    <a:schemeClr val="dk1">
+                      <a:alpha val="40000"/>
+                    </a:schemeClr>
+                  </a:outerShdw>
+                </a:effectLst>
+              </a:rPr>
+              <a:t> 박규남</a:t>
+            </a:r>
+            <a:r>
               <a:rPr xmlns:mc="http://schemas.openxmlformats.org/markup-compatibility/2006" xmlns:hp="http://schemas.haansoft.com/office/presentation/8.0" lang="en-US" altLang="ko-KR" b="1" mc:Ignorable="hp" hp:hslEmbossed="0">
                 <a:ln w="0"/>
                 <a:solidFill>
@@ -5265,71 +5297,71 @@
                   </a:outerShdw>
                 </a:effectLst>
               </a:rPr>
+              <a:t>(</a:t>
+            </a:r>
+            <a:r>
+              <a:rPr xmlns:mc="http://schemas.openxmlformats.org/markup-compatibility/2006" xmlns:hp="http://schemas.haansoft.com/office/presentation/8.0" lang="ko-KR" altLang="en-US" b="1" mc:Ignorable="hp" hp:hslEmbossed="0">
+                <a:ln w="0"/>
+                <a:solidFill>
+                  <a:schemeClr val="tx1"/>
+                </a:solidFill>
+                <a:effectLst>
+                  <a:outerShdw blurRad="38100" dist="19050" dir="2700000" algn="tl" rotWithShape="0">
+                    <a:schemeClr val="dk1">
+                      <a:alpha val="40000"/>
+                    </a:schemeClr>
+                  </a:outerShdw>
+                </a:effectLst>
+              </a:rPr>
+              <a:t>팀원</a:t>
+            </a:r>
+            <a:r>
+              <a:rPr xmlns:mc="http://schemas.openxmlformats.org/markup-compatibility/2006" xmlns:hp="http://schemas.haansoft.com/office/presentation/8.0" lang="en-US" altLang="ko-KR" b="1" mc:Ignorable="hp" hp:hslEmbossed="0">
+                <a:ln w="0"/>
+                <a:solidFill>
+                  <a:schemeClr val="tx1"/>
+                </a:solidFill>
+                <a:effectLst>
+                  <a:outerShdw blurRad="38100" dist="19050" dir="2700000" algn="tl" rotWithShape="0">
+                    <a:schemeClr val="dk1">
+                      <a:alpha val="40000"/>
+                    </a:schemeClr>
+                  </a:outerShdw>
+                </a:effectLst>
+              </a:rPr>
+              <a:t>)</a:t>
+            </a:r>
+            <a:r>
+              <a:rPr xmlns:mc="http://schemas.openxmlformats.org/markup-compatibility/2006" xmlns:hp="http://schemas.haansoft.com/office/presentation/8.0" lang="ko-KR" altLang="en-US" b="1" mc:Ignorable="hp" hp:hslEmbossed="0">
+                <a:ln w="0"/>
+                <a:solidFill>
+                  <a:schemeClr val="tx1"/>
+                </a:solidFill>
+                <a:effectLst>
+                  <a:outerShdw blurRad="38100" dist="19050" dir="2700000" algn="tl" rotWithShape="0">
+                    <a:schemeClr val="dk1">
+                      <a:alpha val="40000"/>
+                    </a:schemeClr>
+                  </a:outerShdw>
+                </a:effectLst>
+              </a:rPr>
+              <a:t> </a:t>
+            </a:r>
+            <a:r>
+              <a:rPr xmlns:mc="http://schemas.openxmlformats.org/markup-compatibility/2006" xmlns:hp="http://schemas.haansoft.com/office/presentation/8.0" lang="en-US" altLang="ko-KR" b="1" mc:Ignorable="hp" hp:hslEmbossed="0">
+                <a:ln w="0"/>
+                <a:solidFill>
+                  <a:schemeClr val="tx1"/>
+                </a:solidFill>
+                <a:effectLst>
+                  <a:outerShdw blurRad="38100" dist="19050" dir="2700000" algn="tl" rotWithShape="0">
+                    <a:schemeClr val="dk1">
+                      <a:alpha val="40000"/>
+                    </a:schemeClr>
+                  </a:outerShdw>
+                </a:effectLst>
+              </a:rPr>
               <a:t>2/3</a:t>
-            </a:r>
-            <a:r>
-              <a:rPr xmlns:mc="http://schemas.openxmlformats.org/markup-compatibility/2006" xmlns:hp="http://schemas.haansoft.com/office/presentation/8.0" lang="ko-KR" altLang="en-US" b="1" mc:Ignorable="hp" hp:hslEmbossed="0">
-                <a:ln w="0"/>
-                <a:solidFill>
-                  <a:schemeClr val="tx1"/>
-                </a:solidFill>
-                <a:effectLst>
-                  <a:outerShdw blurRad="38100" dist="19050" dir="2700000" algn="tl" rotWithShape="0">
-                    <a:schemeClr val="dk1">
-                      <a:alpha val="40000"/>
-                    </a:schemeClr>
-                  </a:outerShdw>
-                </a:effectLst>
-              </a:rPr>
-              <a:t> 박규남</a:t>
-            </a:r>
-            <a:r>
-              <a:rPr xmlns:mc="http://schemas.openxmlformats.org/markup-compatibility/2006" xmlns:hp="http://schemas.haansoft.com/office/presentation/8.0" lang="en-US" altLang="ko-KR" b="1" mc:Ignorable="hp" hp:hslEmbossed="0">
-                <a:ln w="0"/>
-                <a:solidFill>
-                  <a:schemeClr val="tx1"/>
-                </a:solidFill>
-                <a:effectLst>
-                  <a:outerShdw blurRad="38100" dist="19050" dir="2700000" algn="tl" rotWithShape="0">
-                    <a:schemeClr val="dk1">
-                      <a:alpha val="40000"/>
-                    </a:schemeClr>
-                  </a:outerShdw>
-                </a:effectLst>
-              </a:rPr>
-              <a:t>(</a:t>
-            </a:r>
-            <a:r>
-              <a:rPr xmlns:mc="http://schemas.openxmlformats.org/markup-compatibility/2006" xmlns:hp="http://schemas.haansoft.com/office/presentation/8.0" lang="ko-KR" altLang="en-US" b="1" mc:Ignorable="hp" hp:hslEmbossed="0">
-                <a:ln w="0"/>
-                <a:solidFill>
-                  <a:schemeClr val="tx1"/>
-                </a:solidFill>
-                <a:effectLst>
-                  <a:outerShdw blurRad="38100" dist="19050" dir="2700000" algn="tl" rotWithShape="0">
-                    <a:schemeClr val="dk1">
-                      <a:alpha val="40000"/>
-                    </a:schemeClr>
-                  </a:outerShdw>
-                </a:effectLst>
-              </a:rPr>
-              <a:t>팀원</a:t>
-            </a:r>
-            <a:r>
-              <a:rPr xmlns:mc="http://schemas.openxmlformats.org/markup-compatibility/2006" xmlns:hp="http://schemas.haansoft.com/office/presentation/8.0" lang="en-US" altLang="ko-KR" b="1" mc:Ignorable="hp" hp:hslEmbossed="0">
-                <a:ln w="0"/>
-                <a:solidFill>
-                  <a:schemeClr val="tx1"/>
-                </a:solidFill>
-                <a:effectLst>
-                  <a:outerShdw blurRad="38100" dist="19050" dir="2700000" algn="tl" rotWithShape="0">
-                    <a:schemeClr val="dk1">
-                      <a:alpha val="40000"/>
-                    </a:schemeClr>
-                  </a:outerShdw>
-                </a:effectLst>
-              </a:rPr>
-              <a:t>)</a:t>
             </a:r>
             <a:endParaRPr xmlns:mc="http://schemas.openxmlformats.org/markup-compatibility/2006" xmlns:hp="http://schemas.haansoft.com/office/presentation/8.0" lang="en-US" altLang="ko-KR" b="1" mc:Ignorable="hp" hp:hslEmbossed="0">
               <a:ln w="0"/>
@@ -5801,7 +5833,7 @@
                   </a:outerShdw>
                 </a:effectLst>
               </a:rPr>
-              <a:t>.</a:t>
+              <a:t>.if</a:t>
             </a:r>
             <a:r>
               <a:rPr xmlns:mc="http://schemas.openxmlformats.org/markup-compatibility/2006" xmlns:hp="http://schemas.haansoft.com/office/presentation/8.0" lang="ko-KR" altLang="en-US" sz="1300" b="1" mc:Ignorable="hp" hp:hslEmbossed="0">
@@ -5817,39 +5849,7 @@
                   </a:outerShdw>
                 </a:effectLst>
               </a:rPr>
-              <a:t> 추후 글자수 제한및 영문</a:t>
-            </a:r>
-            <a:r>
-              <a:rPr xmlns:mc="http://schemas.openxmlformats.org/markup-compatibility/2006" xmlns:hp="http://schemas.haansoft.com/office/presentation/8.0" lang="en-US" altLang="ko-KR" sz="1300" b="1" mc:Ignorable="hp" hp:hslEmbossed="0">
-                <a:ln w="0"/>
-                <a:solidFill>
-                  <a:schemeClr val="tx1"/>
-                </a:solidFill>
-                <a:effectLst>
-                  <a:outerShdw blurRad="38100" dist="19050" dir="2700000" algn="tl" rotWithShape="0">
-                    <a:schemeClr val="dk1">
-                      <a:alpha val="40000"/>
-                    </a:schemeClr>
-                  </a:outerShdw>
-                </a:effectLst>
-              </a:rPr>
-              <a:t>&amp;</a:t>
-            </a:r>
-            <a:r>
-              <a:rPr xmlns:mc="http://schemas.openxmlformats.org/markup-compatibility/2006" xmlns:hp="http://schemas.haansoft.com/office/presentation/8.0" lang="ko-KR" altLang="en-US" sz="1300" b="1" mc:Ignorable="hp" hp:hslEmbossed="0">
-                <a:ln w="0"/>
-                <a:solidFill>
-                  <a:schemeClr val="tx1"/>
-                </a:solidFill>
-                <a:effectLst>
-                  <a:outerShdw blurRad="38100" dist="19050" dir="2700000" algn="tl" rotWithShape="0">
-                    <a:schemeClr val="dk1">
-                      <a:alpha val="40000"/>
-                    </a:schemeClr>
-                  </a:outerShdw>
-                </a:effectLst>
-              </a:rPr>
-              <a:t>숫자 조합으로 아이디 생성</a:t>
+              <a:t>문을 사용하여 인덱스 값 조건에 맞게 설정 하였고</a:t>
             </a:r>
             <a:endParaRPr xmlns:mc="http://schemas.openxmlformats.org/markup-compatibility/2006" xmlns:hp="http://schemas.haansoft.com/office/presentation/8.0" lang="ko-KR" altLang="en-US" sz="1300" b="1" mc:Ignorable="hp" hp:hslEmbossed="0">
               <a:ln w="0"/>
@@ -5870,6 +5870,22 @@
               <a:defRPr/>
             </a:pPr>
             <a:r>
+              <a:rPr xmlns:mc="http://schemas.openxmlformats.org/markup-compatibility/2006" xmlns:hp="http://schemas.haansoft.com/office/presentation/8.0" lang="en-US" altLang="ko-KR" sz="1300" b="1" mc:Ignorable="hp" hp:hslEmbossed="0">
+                <a:ln w="0"/>
+                <a:solidFill>
+                  <a:schemeClr val="tx1"/>
+                </a:solidFill>
+                <a:effectLst>
+                  <a:outerShdw blurRad="38100" dist="19050" dir="2700000" algn="tl" rotWithShape="0">
+                    <a:schemeClr val="dk1">
+                      <a:alpha val="40000"/>
+                    </a:schemeClr>
+                  </a:outerShdw>
+                </a:effectLst>
+              </a:rPr>
+              <a:t>password</a:t>
+            </a:r>
+            <a:r>
               <a:rPr xmlns:mc="http://schemas.openxmlformats.org/markup-compatibility/2006" xmlns:hp="http://schemas.haansoft.com/office/presentation/8.0" lang="ko-KR" altLang="en-US" sz="1300" b="1" mc:Ignorable="hp" hp:hslEmbossed="0">
                 <a:ln w="0"/>
                 <a:solidFill>
@@ -5883,7 +5899,7 @@
                   </a:outerShdw>
                 </a:effectLst>
               </a:rPr>
-              <a:t>제한 구성예정입니다</a:t>
+              <a:t> 는 논리 연산자를 사용하여 문자열 비교 하여 </a:t>
             </a:r>
             <a:r>
               <a:rPr xmlns:mc="http://schemas.openxmlformats.org/markup-compatibility/2006" xmlns:hp="http://schemas.haansoft.com/office/presentation/8.0" lang="en-US" altLang="ko-KR" sz="1300" b="1" mc:Ignorable="hp" hp:hslEmbossed="0">
@@ -5899,7 +5915,7 @@
                   </a:outerShdw>
                 </a:effectLst>
               </a:rPr>
-              <a:t>.</a:t>
+              <a:t>alert</a:t>
             </a:r>
             <a:r>
               <a:rPr xmlns:mc="http://schemas.openxmlformats.org/markup-compatibility/2006" xmlns:hp="http://schemas.haansoft.com/office/presentation/8.0" lang="ko-KR" altLang="en-US" sz="1300" b="1" mc:Ignorable="hp" hp:hslEmbossed="0">
@@ -5915,7 +5931,7 @@
                   </a:outerShdw>
                 </a:effectLst>
               </a:rPr>
-              <a:t> </a:t>
+              <a:t> 메세지를</a:t>
             </a:r>
             <a:endParaRPr xmlns:mc="http://schemas.openxmlformats.org/markup-compatibility/2006" xmlns:hp="http://schemas.haansoft.com/office/presentation/8.0" lang="ko-KR" altLang="en-US" sz="1300" b="1" mc:Ignorable="hp" hp:hslEmbossed="0">
               <a:ln w="0"/>
@@ -5935,7 +5951,55 @@
             <a:pPr lvl="0">
               <a:defRPr/>
             </a:pPr>
-            <a:endParaRPr xmlns:mc="http://schemas.openxmlformats.org/markup-compatibility/2006" xmlns:hp="http://schemas.haansoft.com/office/presentation/8.0" lang="ko-KR" altLang="en-US" sz="1300" b="1" mc:Ignorable="hp" hp:hslEmbossed="0">
+            <a:r>
+              <a:rPr xmlns:mc="http://schemas.openxmlformats.org/markup-compatibility/2006" xmlns:hp="http://schemas.haansoft.com/office/presentation/8.0" lang="en-US" altLang="ko-KR" sz="1300" b="1" mc:Ignorable="hp" hp:hslEmbossed="0">
+                <a:ln w="0"/>
+                <a:solidFill>
+                  <a:schemeClr val="tx1"/>
+                </a:solidFill>
+                <a:effectLst>
+                  <a:outerShdw blurRad="38100" dist="19050" dir="2700000" algn="tl" rotWithShape="0">
+                    <a:schemeClr val="dk1">
+                      <a:alpha val="40000"/>
+                    </a:schemeClr>
+                  </a:outerShdw>
+                </a:effectLst>
+              </a:rPr>
+              <a:t>true false</a:t>
+            </a:r>
+            <a:r>
+              <a:rPr xmlns:mc="http://schemas.openxmlformats.org/markup-compatibility/2006" xmlns:hp="http://schemas.haansoft.com/office/presentation/8.0" lang="ko-KR" altLang="en-US" sz="1300" b="1" mc:Ignorable="hp" hp:hslEmbossed="0">
+                <a:ln w="0"/>
+                <a:solidFill>
+                  <a:schemeClr val="tx1"/>
+                </a:solidFill>
+                <a:effectLst>
+                  <a:outerShdw blurRad="38100" dist="19050" dir="2700000" algn="tl" rotWithShape="0">
+                    <a:schemeClr val="dk1">
+                      <a:alpha val="40000"/>
+                    </a:schemeClr>
+                  </a:outerShdw>
+                </a:effectLst>
+              </a:rPr>
+              <a:t> 맞게 설정했습니다</a:t>
+            </a:r>
+            <a:r>
+              <a:rPr xmlns:mc="http://schemas.openxmlformats.org/markup-compatibility/2006" xmlns:hp="http://schemas.haansoft.com/office/presentation/8.0" lang="en-US" altLang="ko-KR" sz="1300" b="1" mc:Ignorable="hp" hp:hslEmbossed="0">
+                <a:ln w="0"/>
+                <a:solidFill>
+                  <a:schemeClr val="tx1"/>
+                </a:solidFill>
+                <a:effectLst>
+                  <a:outerShdw blurRad="38100" dist="19050" dir="2700000" algn="tl" rotWithShape="0">
+                    <a:schemeClr val="dk1">
+                      <a:alpha val="40000"/>
+                    </a:schemeClr>
+                  </a:outerShdw>
+                </a:effectLst>
+              </a:rPr>
+              <a:t>.</a:t>
+            </a:r>
+            <a:endParaRPr xmlns:mc="http://schemas.openxmlformats.org/markup-compatibility/2006" xmlns:hp="http://schemas.haansoft.com/office/presentation/8.0" lang="en-US" altLang="ko-KR" sz="1300" b="1" mc:Ignorable="hp" hp:hslEmbossed="0">
               <a:ln w="0"/>
               <a:solidFill>
                 <a:schemeClr val="tx1"/>
@@ -6014,39 +6078,7 @@
                   </a:outerShdw>
                 </a:effectLst>
               </a:rPr>
-              <a:t>아이디 중복 버튼을 클릭시 </a:t>
-            </a:r>
-            <a:r>
-              <a:rPr xmlns:mc="http://schemas.openxmlformats.org/markup-compatibility/2006" xmlns:hp="http://schemas.haansoft.com/office/presentation/8.0" lang="en-US" altLang="ko-KR" sz="1400" b="1" mc:Ignorable="hp" hp:hslEmbossed="0">
-                <a:ln w="0"/>
-                <a:solidFill>
-                  <a:schemeClr val="tx1"/>
-                </a:solidFill>
-                <a:effectLst>
-                  <a:outerShdw blurRad="38100" dist="19050" dir="2700000" algn="tl" rotWithShape="0">
-                    <a:schemeClr val="dk1">
-                      <a:alpha val="40000"/>
-                    </a:schemeClr>
-                  </a:outerShdw>
-                </a:effectLst>
-              </a:rPr>
-              <a:t>alert</a:t>
-            </a:r>
-            <a:r>
-              <a:rPr xmlns:mc="http://schemas.openxmlformats.org/markup-compatibility/2006" xmlns:hp="http://schemas.haansoft.com/office/presentation/8.0" lang="ko-KR" altLang="en-US" sz="1400" b="1" mc:Ignorable="hp" hp:hslEmbossed="0">
-                <a:ln w="0"/>
-                <a:solidFill>
-                  <a:schemeClr val="tx1"/>
-                </a:solidFill>
-                <a:effectLst>
-                  <a:outerShdw blurRad="38100" dist="19050" dir="2700000" algn="tl" rotWithShape="0">
-                    <a:schemeClr val="dk1">
-                      <a:alpha val="40000"/>
-                    </a:schemeClr>
-                  </a:outerShdw>
-                </a:effectLst>
-              </a:rPr>
-              <a:t> 창 띄워져 사용 유무 가능 안내</a:t>
+              <a:t>아이디 중복 버튼을 클릭시 글자수가 조건에 맞는 메세지를 구현하였고</a:t>
             </a:r>
             <a:endParaRPr xmlns:mc="http://schemas.openxmlformats.org/markup-compatibility/2006" xmlns:hp="http://schemas.haansoft.com/office/presentation/8.0" lang="ko-KR" altLang="en-US" sz="1400" b="1" mc:Ignorable="hp" hp:hslEmbossed="0">
               <a:ln w="0"/>
@@ -6080,7 +6112,41 @@
                   </a:outerShdw>
                 </a:effectLst>
               </a:rPr>
-              <a:t>메시지 확인할 수 있도록 구현해 봤습니다</a:t>
+              <a:t>비밀번호는 재확인과 문자열 논리연산자로 조건에 맞게 메세지를 구현</a:t>
+            </a:r>
+            <a:endParaRPr xmlns:mc="http://schemas.openxmlformats.org/markup-compatibility/2006" xmlns:hp="http://schemas.haansoft.com/office/presentation/8.0" lang="ko-KR" altLang="en-US" sz="1400" b="1" mc:Ignorable="hp" hp:hslEmbossed="0">
+              <a:ln w="0"/>
+              <a:solidFill>
+                <a:schemeClr val="tx1"/>
+              </a:solidFill>
+              <a:effectLst>
+                <a:outerShdw blurRad="38100" dist="19050" dir="2700000" algn="tl" rotWithShape="0">
+                  <a:schemeClr val="dk1">
+                    <a:alpha val="40000"/>
+                  </a:schemeClr>
+                </a:outerShdw>
+              </a:effectLst>
+            </a:endParaRPr>
+          </a:p>
+          <a:p>
+            <a:pPr algn="ctr">
+              <a:defRPr/>
+            </a:pPr>
+            <a:r>
+              <a:rPr xmlns:mc="http://schemas.openxmlformats.org/markup-compatibility/2006" xmlns:hp="http://schemas.haansoft.com/office/presentation/8.0" lang="ko-KR" altLang="en-US" sz="1400" b="1" mc:Ignorable="hp" hp:hslEmbossed="0">
+                <a:ln w="0"/>
+                <a:solidFill>
+                  <a:schemeClr val="tx1"/>
+                </a:solidFill>
+                <a:effectLst>
+                  <a:outerShdw blurRad="38100" dist="19050" dir="2700000" algn="tl" rotWithShape="0">
+                    <a:schemeClr val="dk1">
+                      <a:alpha val="40000"/>
+                    </a:schemeClr>
+                  </a:outerShdw>
+                </a:effectLst>
+              </a:rPr>
+              <a:t>하였습니다</a:t>
             </a:r>
             <a:r>
               <a:rPr xmlns:mc="http://schemas.openxmlformats.org/markup-compatibility/2006" xmlns:hp="http://schemas.haansoft.com/office/presentation/8.0" lang="en-US" altLang="ko-KR" sz="1400" b="1" mc:Ignorable="hp" hp:hslEmbossed="0">
@@ -6116,7 +6182,7 @@
       </p:sp>
       <p:pic>
         <p:nvPicPr>
-          <p:cNvPr id="53" name=""/>
+          <p:cNvPr id="56" name=""/>
           <p:cNvPicPr>
             <a:picLocks noChangeAspect="1"/>
           </p:cNvPicPr>
@@ -6130,8 +6196,8 @@
         </p:blipFill>
         <p:spPr>
           <a:xfrm>
-            <a:off x="6553715" y="2188210"/>
-            <a:ext cx="4194717" cy="2904913"/>
+            <a:off x="1896297" y="2085339"/>
+            <a:ext cx="2193949" cy="3131820"/>
           </a:xfrm>
           <a:prstGeom prst="rect">
             <a:avLst/>
@@ -6140,7 +6206,7 @@
       </p:pic>
       <p:pic>
         <p:nvPicPr>
-          <p:cNvPr id="54" name=""/>
+          <p:cNvPr id="57" name=""/>
           <p:cNvPicPr>
             <a:picLocks noChangeAspect="1"/>
           </p:cNvPicPr>
@@ -6154,8 +6220,104 @@
         </p:blipFill>
         <p:spPr>
           <a:xfrm>
-            <a:off x="1211156" y="2345690"/>
-            <a:ext cx="4541520" cy="1722120"/>
+            <a:off x="6271682" y="2035182"/>
+            <a:ext cx="2696634" cy="1118650"/>
+          </a:xfrm>
+          <a:prstGeom prst="rect">
+            <a:avLst/>
+          </a:prstGeom>
+        </p:spPr>
+      </p:pic>
+      <p:pic>
+        <p:nvPicPr>
+          <p:cNvPr id="58" name=""/>
+          <p:cNvPicPr>
+            <a:picLocks noChangeAspect="1"/>
+          </p:cNvPicPr>
+          <p:nvPr/>
+        </p:nvPicPr>
+        <p:blipFill rotWithShape="1">
+          <a:blip r:embed="rId4"/>
+          <a:stretch>
+            <a:fillRect/>
+          </a:stretch>
+        </p:blipFill>
+        <p:spPr>
+          <a:xfrm>
+            <a:off x="9079730" y="2063749"/>
+            <a:ext cx="2510713" cy="1118184"/>
+          </a:xfrm>
+          <a:prstGeom prst="rect">
+            <a:avLst/>
+          </a:prstGeom>
+        </p:spPr>
+      </p:pic>
+      <p:pic>
+        <p:nvPicPr>
+          <p:cNvPr id="59" name=""/>
+          <p:cNvPicPr>
+            <a:picLocks noChangeAspect="1"/>
+          </p:cNvPicPr>
+          <p:nvPr/>
+        </p:nvPicPr>
+        <p:blipFill rotWithShape="1">
+          <a:blip r:embed="rId5"/>
+          <a:stretch>
+            <a:fillRect/>
+          </a:stretch>
+        </p:blipFill>
+        <p:spPr>
+          <a:xfrm>
+            <a:off x="6268296" y="3429000"/>
+            <a:ext cx="2682240" cy="832098"/>
+          </a:xfrm>
+          <a:prstGeom prst="rect">
+            <a:avLst/>
+          </a:prstGeom>
+        </p:spPr>
+      </p:pic>
+      <p:pic>
+        <p:nvPicPr>
+          <p:cNvPr id="60" name=""/>
+          <p:cNvPicPr>
+            <a:picLocks noChangeAspect="1"/>
+          </p:cNvPicPr>
+          <p:nvPr/>
+        </p:nvPicPr>
+        <p:blipFill rotWithShape="1">
+          <a:blip r:embed="rId6"/>
+          <a:stretch>
+            <a:fillRect/>
+          </a:stretch>
+        </p:blipFill>
+        <p:spPr>
+          <a:xfrm>
+            <a:off x="8980593" y="3429000"/>
+            <a:ext cx="2581064" cy="848482"/>
+          </a:xfrm>
+          <a:prstGeom prst="rect">
+            <a:avLst/>
+          </a:prstGeom>
+        </p:spPr>
+      </p:pic>
+      <p:pic>
+        <p:nvPicPr>
+          <p:cNvPr id="61" name=""/>
+          <p:cNvPicPr>
+            <a:picLocks noChangeAspect="1"/>
+          </p:cNvPicPr>
+          <p:nvPr/>
+        </p:nvPicPr>
+        <p:blipFill rotWithShape="1">
+          <a:blip r:embed="rId7"/>
+          <a:stretch>
+            <a:fillRect/>
+          </a:stretch>
+        </p:blipFill>
+        <p:spPr>
+          <a:xfrm>
+            <a:off x="6301316" y="4403936"/>
+            <a:ext cx="5314949" cy="1087543"/>
           </a:xfrm>
           <a:prstGeom prst="rect">
             <a:avLst/>
@@ -6573,6 +6735,22 @@
               <a:defRPr/>
             </a:pPr>
             <a:r>
+              <a:rPr xmlns:mc="http://schemas.openxmlformats.org/markup-compatibility/2006" xmlns:hp="http://schemas.haansoft.com/office/presentation/8.0" lang="ko-KR" altLang="en-US" b="1" mc:Ignorable="hp" hp:hslEmbossed="0">
+                <a:ln w="0"/>
+                <a:solidFill>
+                  <a:schemeClr val="tx1"/>
+                </a:solidFill>
+                <a:effectLst>
+                  <a:outerShdw blurRad="38100" dist="19050" dir="2700000" algn="tl" rotWithShape="0">
+                    <a:schemeClr val="dk1">
+                      <a:alpha val="40000"/>
+                    </a:schemeClr>
+                  </a:outerShdw>
+                </a:effectLst>
+              </a:rPr>
+              <a:t> 박규남</a:t>
+            </a:r>
+            <a:r>
               <a:rPr xmlns:mc="http://schemas.openxmlformats.org/markup-compatibility/2006" xmlns:hp="http://schemas.haansoft.com/office/presentation/8.0" lang="en-US" altLang="ko-KR" b="1" mc:Ignorable="hp" hp:hslEmbossed="0">
                 <a:ln w="0"/>
                 <a:solidFill>
@@ -6586,71 +6764,71 @@
                   </a:outerShdw>
                 </a:effectLst>
               </a:rPr>
+              <a:t>(</a:t>
+            </a:r>
+            <a:r>
+              <a:rPr xmlns:mc="http://schemas.openxmlformats.org/markup-compatibility/2006" xmlns:hp="http://schemas.haansoft.com/office/presentation/8.0" lang="ko-KR" altLang="en-US" b="1" mc:Ignorable="hp" hp:hslEmbossed="0">
+                <a:ln w="0"/>
+                <a:solidFill>
+                  <a:schemeClr val="tx1"/>
+                </a:solidFill>
+                <a:effectLst>
+                  <a:outerShdw blurRad="38100" dist="19050" dir="2700000" algn="tl" rotWithShape="0">
+                    <a:schemeClr val="dk1">
+                      <a:alpha val="40000"/>
+                    </a:schemeClr>
+                  </a:outerShdw>
+                </a:effectLst>
+              </a:rPr>
+              <a:t>팀원</a:t>
+            </a:r>
+            <a:r>
+              <a:rPr xmlns:mc="http://schemas.openxmlformats.org/markup-compatibility/2006" xmlns:hp="http://schemas.haansoft.com/office/presentation/8.0" lang="en-US" altLang="ko-KR" b="1" mc:Ignorable="hp" hp:hslEmbossed="0">
+                <a:ln w="0"/>
+                <a:solidFill>
+                  <a:schemeClr val="tx1"/>
+                </a:solidFill>
+                <a:effectLst>
+                  <a:outerShdw blurRad="38100" dist="19050" dir="2700000" algn="tl" rotWithShape="0">
+                    <a:schemeClr val="dk1">
+                      <a:alpha val="40000"/>
+                    </a:schemeClr>
+                  </a:outerShdw>
+                </a:effectLst>
+              </a:rPr>
+              <a:t>)</a:t>
+            </a:r>
+            <a:r>
+              <a:rPr xmlns:mc="http://schemas.openxmlformats.org/markup-compatibility/2006" xmlns:hp="http://schemas.haansoft.com/office/presentation/8.0" lang="ko-KR" altLang="en-US" b="1" mc:Ignorable="hp" hp:hslEmbossed="0">
+                <a:ln w="0"/>
+                <a:solidFill>
+                  <a:schemeClr val="tx1"/>
+                </a:solidFill>
+                <a:effectLst>
+                  <a:outerShdw blurRad="38100" dist="19050" dir="2700000" algn="tl" rotWithShape="0">
+                    <a:schemeClr val="dk1">
+                      <a:alpha val="40000"/>
+                    </a:schemeClr>
+                  </a:outerShdw>
+                </a:effectLst>
+              </a:rPr>
+              <a:t> </a:t>
+            </a:r>
+            <a:r>
+              <a:rPr xmlns:mc="http://schemas.openxmlformats.org/markup-compatibility/2006" xmlns:hp="http://schemas.haansoft.com/office/presentation/8.0" lang="en-US" altLang="ko-KR" b="1" mc:Ignorable="hp" hp:hslEmbossed="0">
+                <a:ln w="0"/>
+                <a:solidFill>
+                  <a:schemeClr val="tx1"/>
+                </a:solidFill>
+                <a:effectLst>
+                  <a:outerShdw blurRad="38100" dist="19050" dir="2700000" algn="tl" rotWithShape="0">
+                    <a:schemeClr val="dk1">
+                      <a:alpha val="40000"/>
+                    </a:schemeClr>
+                  </a:outerShdw>
+                </a:effectLst>
+              </a:rPr>
               <a:t>3/3</a:t>
-            </a:r>
-            <a:r>
-              <a:rPr xmlns:mc="http://schemas.openxmlformats.org/markup-compatibility/2006" xmlns:hp="http://schemas.haansoft.com/office/presentation/8.0" lang="ko-KR" altLang="en-US" b="1" mc:Ignorable="hp" hp:hslEmbossed="0">
-                <a:ln w="0"/>
-                <a:solidFill>
-                  <a:schemeClr val="tx1"/>
-                </a:solidFill>
-                <a:effectLst>
-                  <a:outerShdw blurRad="38100" dist="19050" dir="2700000" algn="tl" rotWithShape="0">
-                    <a:schemeClr val="dk1">
-                      <a:alpha val="40000"/>
-                    </a:schemeClr>
-                  </a:outerShdw>
-                </a:effectLst>
-              </a:rPr>
-              <a:t> 박규남</a:t>
-            </a:r>
-            <a:r>
-              <a:rPr xmlns:mc="http://schemas.openxmlformats.org/markup-compatibility/2006" xmlns:hp="http://schemas.haansoft.com/office/presentation/8.0" lang="en-US" altLang="ko-KR" b="1" mc:Ignorable="hp" hp:hslEmbossed="0">
-                <a:ln w="0"/>
-                <a:solidFill>
-                  <a:schemeClr val="tx1"/>
-                </a:solidFill>
-                <a:effectLst>
-                  <a:outerShdw blurRad="38100" dist="19050" dir="2700000" algn="tl" rotWithShape="0">
-                    <a:schemeClr val="dk1">
-                      <a:alpha val="40000"/>
-                    </a:schemeClr>
-                  </a:outerShdw>
-                </a:effectLst>
-              </a:rPr>
-              <a:t>(</a:t>
-            </a:r>
-            <a:r>
-              <a:rPr xmlns:mc="http://schemas.openxmlformats.org/markup-compatibility/2006" xmlns:hp="http://schemas.haansoft.com/office/presentation/8.0" lang="ko-KR" altLang="en-US" b="1" mc:Ignorable="hp" hp:hslEmbossed="0">
-                <a:ln w="0"/>
-                <a:solidFill>
-                  <a:schemeClr val="tx1"/>
-                </a:solidFill>
-                <a:effectLst>
-                  <a:outerShdw blurRad="38100" dist="19050" dir="2700000" algn="tl" rotWithShape="0">
-                    <a:schemeClr val="dk1">
-                      <a:alpha val="40000"/>
-                    </a:schemeClr>
-                  </a:outerShdw>
-                </a:effectLst>
-              </a:rPr>
-              <a:t>팀원</a:t>
-            </a:r>
-            <a:r>
-              <a:rPr xmlns:mc="http://schemas.openxmlformats.org/markup-compatibility/2006" xmlns:hp="http://schemas.haansoft.com/office/presentation/8.0" lang="en-US" altLang="ko-KR" b="1" mc:Ignorable="hp" hp:hslEmbossed="0">
-                <a:ln w="0"/>
-                <a:solidFill>
-                  <a:schemeClr val="tx1"/>
-                </a:solidFill>
-                <a:effectLst>
-                  <a:outerShdw blurRad="38100" dist="19050" dir="2700000" algn="tl" rotWithShape="0">
-                    <a:schemeClr val="dk1">
-                      <a:alpha val="40000"/>
-                    </a:schemeClr>
-                  </a:outerShdw>
-                </a:effectLst>
-              </a:rPr>
-              <a:t>)</a:t>
             </a:r>
             <a:endParaRPr xmlns:mc="http://schemas.openxmlformats.org/markup-compatibility/2006" xmlns:hp="http://schemas.haansoft.com/office/presentation/8.0" lang="en-US" altLang="ko-KR" b="1" mc:Ignorable="hp" hp:hslEmbossed="0">
               <a:ln w="0"/>

--- a/Mission04_Study06_gyunam.pptx
+++ b/Mission04_Study06_gyunam.pptx
@@ -2,7 +2,7 @@
 <file path=ppt/presentation.xml><?xml version="1.0" encoding="utf-8"?>
 <p:presentation xmlns:r="http://schemas.openxmlformats.org/officeDocument/2006/relationships" xmlns:c="http://schemas.openxmlformats.org/drawingml/2006/chart" xmlns:a="http://schemas.openxmlformats.org/drawingml/2006/main" xmlns:dgm="http://schemas.openxmlformats.org/drawingml/2006/diagram" xmlns:dsp="http://schemas.microsoft.com/office/drawing/2008/diagram" xmlns:p="http://schemas.openxmlformats.org/presentationml/2006/main" saveSubsetFonts="1">
   <p:sldMasterIdLst>
-    <p:sldMasterId id="2147483666" r:id="rId1"/>
+    <p:sldMasterId id="2147483660" r:id="rId1"/>
   </p:sldMasterIdLst>
   <p:sldIdLst>
     <p:sldId id="256" r:id="rId2"/>
@@ -6324,6 +6324,30 @@
           </a:prstGeom>
         </p:spPr>
       </p:pic>
+      <p:pic>
+        <p:nvPicPr>
+          <p:cNvPr id="62" name=""/>
+          <p:cNvPicPr>
+            <a:picLocks noChangeAspect="1"/>
+          </p:cNvPicPr>
+          <p:nvPr/>
+        </p:nvPicPr>
+        <p:blipFill rotWithShape="1">
+          <a:blip r:embed="rId8"/>
+          <a:stretch>
+            <a:fillRect/>
+          </a:stretch>
+        </p:blipFill>
+        <p:spPr>
+          <a:xfrm>
+            <a:off x="1735099" y="1916853"/>
+            <a:ext cx="2624388" cy="3574626"/>
+          </a:xfrm>
+          <a:prstGeom prst="rect">
+            <a:avLst/>
+          </a:prstGeom>
+        </p:spPr>
+      </p:pic>
     </p:spTree>
   </p:cSld>
   <p:clrMapOvr>
